--- a/5.TD/5강_Temporal_Difference.pptx
+++ b/5.TD/5강_Temporal_Difference.pptx
@@ -234,7 +234,7 @@
           <a:p>
             <a:fld id="{F4ADCB11-A31A-4F5F-A20E-A0C6FBB6FC65}" type="datetimeFigureOut">
               <a:rPr lang="ko-KR" altLang="en-US" smtClean="0"/>
-              <a:t>2024-04-02</a:t>
+              <a:t>2024-06-03</a:t>
             </a:fld>
             <a:endParaRPr lang="ko-KR" altLang="en-US"/>
           </a:p>
@@ -732,7 +732,7 @@
           <a:p>
             <a:fld id="{6CE77EFB-4175-4253-90F0-5BBA86F8C852}" type="datetimeFigureOut">
               <a:rPr lang="ko-KR" altLang="en-US" smtClean="0"/>
-              <a:t>2024-04-02</a:t>
+              <a:t>2024-06-03</a:t>
             </a:fld>
             <a:endParaRPr lang="ko-KR" altLang="en-US"/>
           </a:p>
@@ -930,7 +930,7 @@
           <a:p>
             <a:fld id="{6CE77EFB-4175-4253-90F0-5BBA86F8C852}" type="datetimeFigureOut">
               <a:rPr lang="ko-KR" altLang="en-US" smtClean="0"/>
-              <a:t>2024-04-02</a:t>
+              <a:t>2024-06-03</a:t>
             </a:fld>
             <a:endParaRPr lang="ko-KR" altLang="en-US"/>
           </a:p>
@@ -1138,7 +1138,7 @@
           <a:p>
             <a:fld id="{6CE77EFB-4175-4253-90F0-5BBA86F8C852}" type="datetimeFigureOut">
               <a:rPr lang="ko-KR" altLang="en-US" smtClean="0"/>
-              <a:t>2024-04-02</a:t>
+              <a:t>2024-06-03</a:t>
             </a:fld>
             <a:endParaRPr lang="ko-KR" altLang="en-US"/>
           </a:p>
@@ -1336,7 +1336,7 @@
           <a:p>
             <a:fld id="{6CE77EFB-4175-4253-90F0-5BBA86F8C852}" type="datetimeFigureOut">
               <a:rPr lang="ko-KR" altLang="en-US" smtClean="0"/>
-              <a:t>2024-04-02</a:t>
+              <a:t>2024-06-03</a:t>
             </a:fld>
             <a:endParaRPr lang="ko-KR" altLang="en-US"/>
           </a:p>
@@ -1611,7 +1611,7 @@
           <a:p>
             <a:fld id="{6CE77EFB-4175-4253-90F0-5BBA86F8C852}" type="datetimeFigureOut">
               <a:rPr lang="ko-KR" altLang="en-US" smtClean="0"/>
-              <a:t>2024-04-02</a:t>
+              <a:t>2024-06-03</a:t>
             </a:fld>
             <a:endParaRPr lang="ko-KR" altLang="en-US"/>
           </a:p>
@@ -1876,7 +1876,7 @@
           <a:p>
             <a:fld id="{6CE77EFB-4175-4253-90F0-5BBA86F8C852}" type="datetimeFigureOut">
               <a:rPr lang="ko-KR" altLang="en-US" smtClean="0"/>
-              <a:t>2024-04-02</a:t>
+              <a:t>2024-06-03</a:t>
             </a:fld>
             <a:endParaRPr lang="ko-KR" altLang="en-US"/>
           </a:p>
@@ -2288,7 +2288,7 @@
           <a:p>
             <a:fld id="{6CE77EFB-4175-4253-90F0-5BBA86F8C852}" type="datetimeFigureOut">
               <a:rPr lang="ko-KR" altLang="en-US" smtClean="0"/>
-              <a:t>2024-04-02</a:t>
+              <a:t>2024-06-03</a:t>
             </a:fld>
             <a:endParaRPr lang="ko-KR" altLang="en-US"/>
           </a:p>
@@ -2429,7 +2429,7 @@
           <a:p>
             <a:fld id="{6CE77EFB-4175-4253-90F0-5BBA86F8C852}" type="datetimeFigureOut">
               <a:rPr lang="ko-KR" altLang="en-US" smtClean="0"/>
-              <a:t>2024-04-02</a:t>
+              <a:t>2024-06-03</a:t>
             </a:fld>
             <a:endParaRPr lang="ko-KR" altLang="en-US"/>
           </a:p>
@@ -2542,7 +2542,7 @@
           <a:p>
             <a:fld id="{6CE77EFB-4175-4253-90F0-5BBA86F8C852}" type="datetimeFigureOut">
               <a:rPr lang="ko-KR" altLang="en-US" smtClean="0"/>
-              <a:t>2024-04-02</a:t>
+              <a:t>2024-06-03</a:t>
             </a:fld>
             <a:endParaRPr lang="ko-KR" altLang="en-US"/>
           </a:p>
@@ -2853,7 +2853,7 @@
           <a:p>
             <a:fld id="{6CE77EFB-4175-4253-90F0-5BBA86F8C852}" type="datetimeFigureOut">
               <a:rPr lang="ko-KR" altLang="en-US" smtClean="0"/>
-              <a:t>2024-04-02</a:t>
+              <a:t>2024-06-03</a:t>
             </a:fld>
             <a:endParaRPr lang="ko-KR" altLang="en-US"/>
           </a:p>
@@ -3141,7 +3141,7 @@
           <a:p>
             <a:fld id="{6CE77EFB-4175-4253-90F0-5BBA86F8C852}" type="datetimeFigureOut">
               <a:rPr lang="ko-KR" altLang="en-US" smtClean="0"/>
-              <a:t>2024-04-02</a:t>
+              <a:t>2024-06-03</a:t>
             </a:fld>
             <a:endParaRPr lang="ko-KR" altLang="en-US"/>
           </a:p>
@@ -3382,7 +3382,7 @@
           <a:p>
             <a:fld id="{6CE77EFB-4175-4253-90F0-5BBA86F8C852}" type="datetimeFigureOut">
               <a:rPr lang="ko-KR" altLang="en-US" smtClean="0"/>
-              <a:t>2024-04-02</a:t>
+              <a:t>2024-06-03</a:t>
             </a:fld>
             <a:endParaRPr lang="ko-KR" altLang="en-US"/>
           </a:p>
@@ -5801,166 +5801,266 @@
           </a:p>
         </p:txBody>
       </p:sp>
-      <p:sp>
-        <p:nvSpPr>
-          <p:cNvPr id="3" name="내용 개체 틀 2">
-            <a:extLst>
-              <a:ext uri="{FF2B5EF4-FFF2-40B4-BE49-F238E27FC236}">
-                <a16:creationId xmlns:a16="http://schemas.microsoft.com/office/drawing/2014/main" id="{C8010B81-B3E6-D380-13C7-EEF154C7B578}"/>
-              </a:ext>
-            </a:extLst>
-          </p:cNvPr>
-          <p:cNvSpPr>
-            <a:spLocks noGrp="1"/>
-          </p:cNvSpPr>
-          <p:nvPr>
-            <p:ph idx="1"/>
-          </p:nvPr>
-        </p:nvSpPr>
-        <p:spPr/>
-        <p:txBody>
-          <a:bodyPr>
-            <a:normAutofit/>
-          </a:bodyPr>
-          <a:lstStyle/>
-          <a:p>
-            <a:r>
-              <a:rPr lang="en-US" altLang="ko-KR" dirty="0">
-                <a:solidFill>
-                  <a:schemeClr val="tx2">
-                    <a:lumMod val="50000"/>
-                    <a:lumOff val="50000"/>
-                  </a:schemeClr>
-                </a:solidFill>
-              </a:rPr>
-              <a:t>We’ll choose action A</a:t>
-            </a:r>
-            <a:r>
-              <a:rPr lang="en-US" altLang="ko-KR" baseline="-25000" dirty="0">
-                <a:solidFill>
-                  <a:schemeClr val="tx2">
-                    <a:lumMod val="50000"/>
-                    <a:lumOff val="50000"/>
-                  </a:schemeClr>
-                </a:solidFill>
-              </a:rPr>
-              <a:t>t+1</a:t>
-            </a:r>
-            <a:r>
-              <a:rPr lang="en-US" altLang="ko-KR" dirty="0">
-                <a:solidFill>
-                  <a:schemeClr val="tx2">
-                    <a:lumMod val="50000"/>
-                    <a:lumOff val="50000"/>
-                  </a:schemeClr>
-                </a:solidFill>
-              </a:rPr>
-              <a:t> according to the target policy</a:t>
-            </a:r>
-            <a:endParaRPr lang="en-US" altLang="ko-KR" dirty="0"/>
-          </a:p>
-          <a:p>
-            <a:pPr lvl="1"/>
-            <a:r>
-              <a:rPr lang="en-US" altLang="ko-KR" dirty="0"/>
-              <a:t>Update rule:</a:t>
-            </a:r>
-            <a:endParaRPr lang="en-US" altLang="ko-KR" dirty="0">
-              <a:solidFill>
-                <a:schemeClr val="tx2">
-                  <a:lumMod val="50000"/>
-                  <a:lumOff val="50000"/>
-                </a:schemeClr>
-              </a:solidFill>
-            </a:endParaRPr>
-          </a:p>
-          <a:p>
-            <a:endParaRPr lang="en-US" altLang="ko-KR" dirty="0"/>
-          </a:p>
-          <a:p>
-            <a:pPr lvl="1"/>
-            <a:endParaRPr lang="en-US" altLang="ko-KR" dirty="0"/>
-          </a:p>
-          <a:p>
-            <a:endParaRPr lang="en-US" altLang="ko-KR" dirty="0"/>
-          </a:p>
-          <a:p>
-            <a:r>
-              <a:rPr lang="en-US" altLang="ko-KR" dirty="0"/>
-              <a:t>Target policy </a:t>
-            </a:r>
-            <a:r>
-              <a:rPr lang="en-US" altLang="ko-KR" dirty="0">
-                <a:solidFill>
-                  <a:schemeClr val="tx2">
-                    <a:lumMod val="50000"/>
-                    <a:lumOff val="50000"/>
-                  </a:schemeClr>
-                </a:solidFill>
-              </a:rPr>
-              <a:t>update Q(S</a:t>
-            </a:r>
-            <a:r>
-              <a:rPr lang="en-US" altLang="ko-KR" baseline="-25000" dirty="0">
-                <a:solidFill>
-                  <a:schemeClr val="tx2">
-                    <a:lumMod val="50000"/>
-                    <a:lumOff val="50000"/>
-                  </a:schemeClr>
-                </a:solidFill>
-              </a:rPr>
-              <a:t>t</a:t>
-            </a:r>
-            <a:r>
-              <a:rPr lang="en-US" altLang="ko-KR" dirty="0">
-                <a:solidFill>
-                  <a:schemeClr val="tx2">
-                    <a:lumMod val="50000"/>
-                    <a:lumOff val="50000"/>
-                  </a:schemeClr>
-                </a:solidFill>
-              </a:rPr>
-              <a:t>, A</a:t>
-            </a:r>
-            <a:r>
-              <a:rPr lang="en-US" altLang="ko-KR" baseline="-25000" dirty="0">
-                <a:solidFill>
-                  <a:schemeClr val="tx2">
-                    <a:lumMod val="50000"/>
-                    <a:lumOff val="50000"/>
-                  </a:schemeClr>
-                </a:solidFill>
-              </a:rPr>
-              <a:t>t</a:t>
-            </a:r>
-            <a:r>
-              <a:rPr lang="en-US" altLang="ko-KR" dirty="0">
-                <a:solidFill>
-                  <a:schemeClr val="tx2">
-                    <a:lumMod val="50000"/>
-                    <a:lumOff val="50000"/>
-                  </a:schemeClr>
-                </a:solidFill>
-              </a:rPr>
-              <a:t>) based on the best available action</a:t>
-            </a:r>
-            <a:r>
-              <a:rPr lang="en-US" altLang="ko-KR" dirty="0"/>
-              <a:t> (defines how to update the Q values) </a:t>
-            </a:r>
-          </a:p>
-          <a:p>
-            <a:pPr lvl="1"/>
-            <a:endParaRPr lang="en-US" altLang="ko-KR" dirty="0"/>
-          </a:p>
-          <a:p>
-            <a:pPr marL="0" indent="0">
-              <a:buNone/>
-            </a:pPr>
-            <a:endParaRPr lang="en-US" altLang="ko-KR" dirty="0"/>
-          </a:p>
-        </p:txBody>
-      </p:sp>
+      <mc:AlternateContent xmlns:mc="http://schemas.openxmlformats.org/markup-compatibility/2006">
+        <mc:Choice xmlns:a14="http://schemas.microsoft.com/office/drawing/2010/main" Requires="a14">
+          <p:sp>
+            <p:nvSpPr>
+              <p:cNvPr id="3" name="내용 개체 틀 2">
+                <a:extLst>
+                  <a:ext uri="{FF2B5EF4-FFF2-40B4-BE49-F238E27FC236}">
+                    <a16:creationId xmlns:a16="http://schemas.microsoft.com/office/drawing/2014/main" id="{C8010B81-B3E6-D380-13C7-EEF154C7B578}"/>
+                  </a:ext>
+                </a:extLst>
+              </p:cNvPr>
+              <p:cNvSpPr>
+                <a:spLocks noGrp="1"/>
+              </p:cNvSpPr>
+              <p:nvPr>
+                <p:ph idx="1"/>
+              </p:nvPr>
+            </p:nvSpPr>
+            <p:spPr/>
+            <p:txBody>
+              <a:bodyPr>
+                <a:normAutofit/>
+              </a:bodyPr>
+              <a:lstStyle/>
+              <a:p>
+                <a:r>
+                  <a:rPr lang="en-US" altLang="ko-KR" dirty="0">
+                    <a:solidFill>
+                      <a:schemeClr val="tx2">
+                        <a:lumMod val="50000"/>
+                        <a:lumOff val="50000"/>
+                      </a:schemeClr>
+                    </a:solidFill>
+                  </a:rPr>
+                  <a:t>We’ll choose action A</a:t>
+                </a:r>
+                <a:r>
+                  <a:rPr lang="en-US" altLang="ko-KR" baseline="-25000" dirty="0">
+                    <a:solidFill>
+                      <a:schemeClr val="tx2">
+                        <a:lumMod val="50000"/>
+                        <a:lumOff val="50000"/>
+                      </a:schemeClr>
+                    </a:solidFill>
+                  </a:rPr>
+                  <a:t>t+1</a:t>
+                </a:r>
+                <a:r>
+                  <a:rPr lang="en-US" altLang="ko-KR" dirty="0">
+                    <a:solidFill>
+                      <a:schemeClr val="tx2">
+                        <a:lumMod val="50000"/>
+                        <a:lumOff val="50000"/>
+                      </a:schemeClr>
+                    </a:solidFill>
+                  </a:rPr>
+                  <a:t> according to the target policy</a:t>
+                </a:r>
+                <a:endParaRPr lang="en-US" altLang="ko-KR" dirty="0"/>
+              </a:p>
+              <a:p>
+                <a:pPr lvl="1"/>
+                <a:r>
+                  <a:rPr lang="en-US" altLang="ko-KR" dirty="0"/>
+                  <a:t>Update rule:</a:t>
+                </a:r>
+                <a:endParaRPr lang="en-US" altLang="ko-KR" dirty="0">
+                  <a:solidFill>
+                    <a:schemeClr val="tx2">
+                      <a:lumMod val="50000"/>
+                      <a:lumOff val="50000"/>
+                    </a:schemeClr>
+                  </a:solidFill>
+                </a:endParaRPr>
+              </a:p>
+              <a:p>
+                <a:endParaRPr lang="en-US" altLang="ko-KR" dirty="0"/>
+              </a:p>
+              <a:p>
+                <a:pPr lvl="1"/>
+                <a:endParaRPr lang="en-US" altLang="ko-KR" dirty="0"/>
+              </a:p>
+              <a:p>
+                <a:r>
+                  <a:rPr lang="en-US" altLang="ko-KR" dirty="0"/>
+                  <a:t>Target policy </a:t>
+                </a:r>
+                <a:r>
+                  <a:rPr lang="en-US" altLang="ko-KR" dirty="0">
+                    <a:solidFill>
+                      <a:schemeClr val="tx2">
+                        <a:lumMod val="50000"/>
+                        <a:lumOff val="50000"/>
+                      </a:schemeClr>
+                    </a:solidFill>
+                  </a:rPr>
+                  <a:t>update Q(S</a:t>
+                </a:r>
+                <a:r>
+                  <a:rPr lang="en-US" altLang="ko-KR" baseline="-25000" dirty="0">
+                    <a:solidFill>
+                      <a:schemeClr val="tx2">
+                        <a:lumMod val="50000"/>
+                        <a:lumOff val="50000"/>
+                      </a:schemeClr>
+                    </a:solidFill>
+                  </a:rPr>
+                  <a:t>t</a:t>
+                </a:r>
+                <a:r>
+                  <a:rPr lang="en-US" altLang="ko-KR" dirty="0">
+                    <a:solidFill>
+                      <a:schemeClr val="tx2">
+                        <a:lumMod val="50000"/>
+                        <a:lumOff val="50000"/>
+                      </a:schemeClr>
+                    </a:solidFill>
+                  </a:rPr>
+                  <a:t>, A</a:t>
+                </a:r>
+                <a:r>
+                  <a:rPr lang="en-US" altLang="ko-KR" baseline="-25000" dirty="0">
+                    <a:solidFill>
+                      <a:schemeClr val="tx2">
+                        <a:lumMod val="50000"/>
+                        <a:lumOff val="50000"/>
+                      </a:schemeClr>
+                    </a:solidFill>
+                  </a:rPr>
+                  <a:t>t</a:t>
+                </a:r>
+                <a:r>
+                  <a:rPr lang="en-US" altLang="ko-KR" dirty="0">
+                    <a:solidFill>
+                      <a:schemeClr val="tx2">
+                        <a:lumMod val="50000"/>
+                        <a:lumOff val="50000"/>
+                      </a:schemeClr>
+                    </a:solidFill>
+                  </a:rPr>
+                  <a:t>) based on the best available action</a:t>
+                </a:r>
+                <a:r>
+                  <a:rPr lang="en-US" altLang="ko-KR" dirty="0"/>
+                  <a:t> (defines how to update the Q values) </a:t>
+                </a:r>
+              </a:p>
+              <a:p>
+                <a:pPr lvl="1"/>
+                <a:r>
+                  <a:rPr lang="en-US" altLang="ko-KR" dirty="0">
+                    <a:solidFill>
+                      <a:schemeClr val="tx2">
+                        <a:lumMod val="50000"/>
+                        <a:lumOff val="50000"/>
+                      </a:schemeClr>
+                    </a:solidFill>
+                  </a:rPr>
+                  <a:t>Note: </a:t>
+                </a:r>
+                <a14:m>
+                  <m:oMath xmlns:m="http://schemas.openxmlformats.org/officeDocument/2006/math">
+                    <m:r>
+                      <a:rPr lang="ko-KR" altLang="en-US" i="1" smtClean="0">
+                        <a:solidFill>
+                          <a:schemeClr val="tx2">
+                            <a:lumMod val="50000"/>
+                            <a:lumOff val="50000"/>
+                          </a:schemeClr>
+                        </a:solidFill>
+                        <a:latin typeface="Cambria Math" panose="02040503050406030204" pitchFamily="18" charset="0"/>
+                      </a:rPr>
+                      <m:t>𝜖</m:t>
+                    </m:r>
+                  </m:oMath>
+                </a14:m>
+                <a:r>
+                  <a:rPr lang="en-US" altLang="ko-KR" dirty="0">
+                    <a:solidFill>
+                      <a:schemeClr val="tx2">
+                        <a:lumMod val="50000"/>
+                        <a:lumOff val="50000"/>
+                      </a:schemeClr>
+                    </a:solidFill>
+                  </a:rPr>
+                  <a:t>-greedy policy (SARSA) </a:t>
+                </a:r>
+                <a:r>
+                  <a:rPr lang="en-US" altLang="ko-KR" dirty="0">
+                    <a:solidFill>
+                      <a:schemeClr val="tx2">
+                        <a:lumMod val="50000"/>
+                        <a:lumOff val="50000"/>
+                      </a:schemeClr>
+                    </a:solidFill>
+                    <a:sym typeface="Wingdings" panose="05000000000000000000" pitchFamily="2" charset="2"/>
+                  </a:rPr>
+                  <a:t></a:t>
+                </a:r>
+                <a:r>
+                  <a:rPr lang="en-US" altLang="ko-KR" dirty="0">
+                    <a:solidFill>
+                      <a:schemeClr val="tx2">
+                        <a:lumMod val="50000"/>
+                        <a:lumOff val="50000"/>
+                      </a:schemeClr>
+                    </a:solidFill>
+                  </a:rPr>
+                  <a:t> argmax policy (Q-learning)</a:t>
+                </a:r>
+              </a:p>
+              <a:p>
+                <a:pPr marL="0" indent="0">
+                  <a:buNone/>
+                </a:pPr>
+                <a:endParaRPr lang="en-US" altLang="ko-KR" dirty="0"/>
+              </a:p>
+            </p:txBody>
+          </p:sp>
+        </mc:Choice>
+        <mc:Fallback>
+          <p:sp>
+            <p:nvSpPr>
+              <p:cNvPr id="3" name="내용 개체 틀 2">
+                <a:extLst>
+                  <a:ext uri="{FF2B5EF4-FFF2-40B4-BE49-F238E27FC236}">
+                    <a16:creationId xmlns:a16="http://schemas.microsoft.com/office/drawing/2014/main" id="{C8010B81-B3E6-D380-13C7-EEF154C7B578}"/>
+                  </a:ext>
+                </a:extLst>
+              </p:cNvPr>
+              <p:cNvSpPr>
+                <a:spLocks noGrp="1" noRot="1" noChangeAspect="1" noMove="1" noResize="1" noEditPoints="1" noAdjustHandles="1" noChangeArrowheads="1" noChangeShapeType="1" noTextEdit="1"/>
+              </p:cNvSpPr>
+              <p:nvPr>
+                <p:ph idx="1"/>
+              </p:nvPr>
+            </p:nvSpPr>
+            <p:spPr>
+              <a:blipFill>
+                <a:blip r:embed="rId2"/>
+                <a:stretch>
+                  <a:fillRect l="-1043" t="-2381"/>
+                </a:stretch>
+              </a:blipFill>
+            </p:spPr>
+            <p:txBody>
+              <a:bodyPr/>
+              <a:lstStyle/>
+              <a:p>
+                <a:r>
+                  <a:rPr lang="ko-KR" altLang="en-US">
+                    <a:noFill/>
+                  </a:rPr>
+                  <a:t> </a:t>
+                </a:r>
+              </a:p>
+            </p:txBody>
+          </p:sp>
+        </mc:Fallback>
+      </mc:AlternateContent>
       <p:pic>
         <p:nvPicPr>
           <p:cNvPr id="5" name="그림 4">
@@ -5976,7 +6076,7 @@
           <p:nvPr/>
         </p:nvPicPr>
         <p:blipFill rotWithShape="1">
-          <a:blip r:embed="rId2"/>
+          <a:blip r:embed="rId3"/>
           <a:srcRect l="3081"/>
           <a:stretch/>
         </p:blipFill>
@@ -5990,6 +6090,140 @@
           </a:prstGeom>
         </p:spPr>
       </p:pic>
+      <p:pic>
+        <p:nvPicPr>
+          <p:cNvPr id="6" name="그림 5">
+            <a:extLst>
+              <a:ext uri="{FF2B5EF4-FFF2-40B4-BE49-F238E27FC236}">
+                <a16:creationId xmlns:a16="http://schemas.microsoft.com/office/drawing/2014/main" id="{16EB4445-9B82-44E7-C685-0B198A6FBCF2}"/>
+              </a:ext>
+            </a:extLst>
+          </p:cNvPr>
+          <p:cNvPicPr>
+            <a:picLocks noChangeAspect="1"/>
+          </p:cNvPicPr>
+          <p:nvPr/>
+        </p:nvPicPr>
+        <p:blipFill>
+          <a:blip r:embed="rId4"/>
+          <a:stretch>
+            <a:fillRect/>
+          </a:stretch>
+        </p:blipFill>
+        <p:spPr>
+          <a:xfrm>
+            <a:off x="1041574" y="4967288"/>
+            <a:ext cx="10022339" cy="1344612"/>
+          </a:xfrm>
+          <a:prstGeom prst="rect">
+            <a:avLst/>
+          </a:prstGeom>
+        </p:spPr>
+      </p:pic>
+      <p:sp>
+        <p:nvSpPr>
+          <p:cNvPr id="4" name="타원 3">
+            <a:extLst>
+              <a:ext uri="{FF2B5EF4-FFF2-40B4-BE49-F238E27FC236}">
+                <a16:creationId xmlns:a16="http://schemas.microsoft.com/office/drawing/2014/main" id="{C89FECA6-751A-0EC3-7EBE-467ADDC09FD7}"/>
+              </a:ext>
+            </a:extLst>
+          </p:cNvPr>
+          <p:cNvSpPr/>
+          <p:nvPr/>
+        </p:nvSpPr>
+        <p:spPr>
+          <a:xfrm>
+            <a:off x="10028903" y="5341118"/>
+            <a:ext cx="412955" cy="486696"/>
+          </a:xfrm>
+          <a:prstGeom prst="ellipse">
+            <a:avLst/>
+          </a:prstGeom>
+          <a:noFill/>
+          <a:ln>
+            <a:solidFill>
+              <a:srgbClr val="FF0000"/>
+            </a:solidFill>
+          </a:ln>
+        </p:spPr>
+        <p:style>
+          <a:lnRef idx="2">
+            <a:schemeClr val="accent1">
+              <a:shade val="15000"/>
+            </a:schemeClr>
+          </a:lnRef>
+          <a:fillRef idx="1">
+            <a:schemeClr val="accent1"/>
+          </a:fillRef>
+          <a:effectRef idx="0">
+            <a:schemeClr val="accent1"/>
+          </a:effectRef>
+          <a:fontRef idx="minor">
+            <a:schemeClr val="lt1"/>
+          </a:fontRef>
+        </p:style>
+        <p:txBody>
+          <a:bodyPr rtlCol="0" anchor="ctr"/>
+          <a:lstStyle/>
+          <a:p>
+            <a:pPr algn="ctr"/>
+            <a:endParaRPr lang="ko-KR" altLang="en-US"/>
+          </a:p>
+        </p:txBody>
+      </p:sp>
+      <p:sp>
+        <p:nvSpPr>
+          <p:cNvPr id="7" name="타원 6">
+            <a:extLst>
+              <a:ext uri="{FF2B5EF4-FFF2-40B4-BE49-F238E27FC236}">
+                <a16:creationId xmlns:a16="http://schemas.microsoft.com/office/drawing/2014/main" id="{6C5B5150-2E55-5A90-232C-68CA339F6B32}"/>
+              </a:ext>
+            </a:extLst>
+          </p:cNvPr>
+          <p:cNvSpPr/>
+          <p:nvPr/>
+        </p:nvSpPr>
+        <p:spPr>
+          <a:xfrm>
+            <a:off x="8839200" y="5615526"/>
+            <a:ext cx="412955" cy="486696"/>
+          </a:xfrm>
+          <a:prstGeom prst="ellipse">
+            <a:avLst/>
+          </a:prstGeom>
+          <a:noFill/>
+          <a:ln>
+            <a:solidFill>
+              <a:srgbClr val="FF0000"/>
+            </a:solidFill>
+          </a:ln>
+        </p:spPr>
+        <p:style>
+          <a:lnRef idx="2">
+            <a:schemeClr val="accent1">
+              <a:shade val="15000"/>
+            </a:schemeClr>
+          </a:lnRef>
+          <a:fillRef idx="1">
+            <a:schemeClr val="accent1"/>
+          </a:fillRef>
+          <a:effectRef idx="0">
+            <a:schemeClr val="accent1"/>
+          </a:effectRef>
+          <a:fontRef idx="minor">
+            <a:schemeClr val="lt1"/>
+          </a:fontRef>
+        </p:style>
+        <p:txBody>
+          <a:bodyPr rtlCol="0" anchor="ctr"/>
+          <a:lstStyle/>
+          <a:p>
+            <a:pPr algn="ctr"/>
+            <a:endParaRPr lang="ko-KR" altLang="en-US"/>
+          </a:p>
+        </p:txBody>
+      </p:sp>
     </p:spTree>
     <p:extLst>
       <p:ext uri="{BB962C8B-B14F-4D97-AF65-F5344CB8AC3E}">
@@ -12336,8 +12570,8 @@
           </a:p>
         </p:txBody>
       </p:sp>
-      <mc:AlternateContent xmlns:mc="http://schemas.openxmlformats.org/markup-compatibility/2006" xmlns:a14="http://schemas.microsoft.com/office/drawing/2010/main">
-        <mc:Choice Requires="a14">
+      <mc:AlternateContent xmlns:mc="http://schemas.openxmlformats.org/markup-compatibility/2006">
+        <mc:Choice xmlns:a14="http://schemas.microsoft.com/office/drawing/2010/main" Requires="a14">
           <p:sp>
             <p:nvSpPr>
               <p:cNvPr id="3" name="내용 개체 틀 2">
@@ -12363,7 +12597,22 @@
               <a:p>
                 <a:r>
                   <a:rPr lang="en-US" altLang="ko-KR" dirty="0"/>
-                  <a:t>We keep a table with q-value estimates for each S</a:t>
+                  <a:t>We </a:t>
+                </a:r>
+                <a:r>
+                  <a:rPr lang="en-US" altLang="ko-KR" dirty="0">
+                    <a:solidFill>
+                      <a:schemeClr val="tx2">
+                        <a:lumMod val="50000"/>
+                        <a:lumOff val="50000"/>
+                      </a:schemeClr>
+                    </a:solidFill>
+                  </a:rPr>
+                  <a:t>keep a table with q-value estimates</a:t>
+                </a:r>
+                <a:r>
+                  <a:rPr lang="en-US" altLang="ko-KR" dirty="0"/>
+                  <a:t> for each S</a:t>
                 </a:r>
                 <a:r>
                   <a:rPr lang="en-US" altLang="ko-KR" baseline="-25000" dirty="0"/>
@@ -12387,23 +12636,58 @@
                   <a:buNone/>
                 </a:pPr>
                 <a:r>
-                  <a:rPr lang="en-US" altLang="ko-KR" dirty="0"/>
+                  <a:rPr lang="en-US" altLang="ko-KR" dirty="0">
+                    <a:solidFill>
+                      <a:schemeClr val="tx2">
+                        <a:lumMod val="50000"/>
+                        <a:lumOff val="50000"/>
+                      </a:schemeClr>
+                    </a:solidFill>
+                  </a:rPr>
                   <a:t>Q(S</a:t>
                 </a:r>
                 <a:r>
-                  <a:rPr lang="en-US" altLang="ko-KR" baseline="-25000" dirty="0"/>
+                  <a:rPr lang="en-US" altLang="ko-KR" baseline="-25000" dirty="0">
+                    <a:solidFill>
+                      <a:schemeClr val="tx2">
+                        <a:lumMod val="50000"/>
+                        <a:lumOff val="50000"/>
+                      </a:schemeClr>
+                    </a:solidFill>
+                  </a:rPr>
                   <a:t>t</a:t>
                 </a:r>
                 <a:r>
-                  <a:rPr lang="en-US" altLang="ko-KR" dirty="0"/>
+                  <a:rPr lang="en-US" altLang="ko-KR" dirty="0">
+                    <a:solidFill>
+                      <a:schemeClr val="tx2">
+                        <a:lumMod val="50000"/>
+                        <a:lumOff val="50000"/>
+                      </a:schemeClr>
+                    </a:solidFill>
+                  </a:rPr>
                   <a:t>, A</a:t>
                 </a:r>
                 <a:r>
-                  <a:rPr lang="en-US" altLang="ko-KR" baseline="-25000" dirty="0"/>
+                  <a:rPr lang="en-US" altLang="ko-KR" baseline="-25000" dirty="0">
+                    <a:solidFill>
+                      <a:schemeClr val="tx2">
+                        <a:lumMod val="50000"/>
+                        <a:lumOff val="50000"/>
+                      </a:schemeClr>
+                    </a:solidFill>
+                  </a:rPr>
                   <a:t>t</a:t>
                 </a:r>
                 <a:r>
-                  <a:rPr lang="en-US" altLang="ko-KR" dirty="0"/>
+                  <a:rPr lang="en-US" altLang="ko-KR" dirty="0">
+                    <a:solidFill>
+                      <a:schemeClr val="tx2">
+                        <a:lumMod val="50000"/>
+                        <a:lumOff val="50000"/>
+                      </a:schemeClr>
+                    </a:solidFill>
+                  </a:rPr>
                   <a:t>)</a:t>
                 </a:r>
               </a:p>
@@ -13317,7 +13601,7 @@
             </p:txBody>
           </p:sp>
         </mc:Choice>
-        <mc:Fallback xmlns="">
+        <mc:Fallback>
           <p:sp>
             <p:nvSpPr>
               <p:cNvPr id="3" name="내용 개체 틀 2">
@@ -13985,54 +14269,108 @@
                         <m:nor/>
                       </m:rPr>
                       <a:rPr lang="en-US" altLang="ko-KR" b="0" i="0" smtClean="0">
+                        <a:solidFill>
+                          <a:schemeClr val="tx2">
+                            <a:lumMod val="50000"/>
+                            <a:lumOff val="50000"/>
+                          </a:schemeClr>
+                        </a:solidFill>
                         <a:latin typeface="Cambria Math" panose="02040503050406030204" pitchFamily="18" charset="0"/>
                       </a:rPr>
                       <m:t>q</m:t>
                     </m:r>
                     <m:r>
                       <a:rPr lang="ko-KR" altLang="en-US" i="1" baseline="-25000">
+                        <a:solidFill>
+                          <a:schemeClr val="tx2">
+                            <a:lumMod val="50000"/>
+                            <a:lumOff val="50000"/>
+                          </a:schemeClr>
+                        </a:solidFill>
                         <a:latin typeface="Cambria Math" panose="02040503050406030204" pitchFamily="18" charset="0"/>
                       </a:rPr>
                       <m:t>𝜋</m:t>
                     </m:r>
                     <m:r>
                       <a:rPr lang="en-US" altLang="ko-KR" i="1">
+                        <a:solidFill>
+                          <a:schemeClr val="tx2">
+                            <a:lumMod val="50000"/>
+                            <a:lumOff val="50000"/>
+                          </a:schemeClr>
+                        </a:solidFill>
                         <a:latin typeface="Cambria Math" panose="02040503050406030204" pitchFamily="18" charset="0"/>
                       </a:rPr>
                       <m:t>(</m:t>
                     </m:r>
                     <m:r>
                       <a:rPr lang="en-US" altLang="ko-KR" i="1" smtClean="0">
+                        <a:solidFill>
+                          <a:schemeClr val="tx2">
+                            <a:lumMod val="50000"/>
+                            <a:lumOff val="50000"/>
+                          </a:schemeClr>
+                        </a:solidFill>
                         <a:latin typeface="Cambria Math" panose="02040503050406030204" pitchFamily="18" charset="0"/>
                       </a:rPr>
                       <m:t>𝑆</m:t>
                     </m:r>
                     <m:r>
                       <a:rPr lang="en-US" altLang="ko-KR" b="0" i="1" baseline="-25000" smtClean="0">
+                        <a:solidFill>
+                          <a:schemeClr val="tx2">
+                            <a:lumMod val="50000"/>
+                            <a:lumOff val="50000"/>
+                          </a:schemeClr>
+                        </a:solidFill>
                         <a:latin typeface="Cambria Math" panose="02040503050406030204" pitchFamily="18" charset="0"/>
                       </a:rPr>
                       <m:t>𝑡</m:t>
                     </m:r>
                     <m:r>
                       <a:rPr lang="en-US" altLang="ko-KR" i="1">
+                        <a:solidFill>
+                          <a:schemeClr val="tx2">
+                            <a:lumMod val="50000"/>
+                            <a:lumOff val="50000"/>
+                          </a:schemeClr>
+                        </a:solidFill>
                         <a:latin typeface="Cambria Math" panose="02040503050406030204" pitchFamily="18" charset="0"/>
                       </a:rPr>
                       <m:t>,</m:t>
                     </m:r>
                     <m:r>
                       <a:rPr lang="en-US" altLang="ko-KR" b="0" i="1" smtClean="0">
+                        <a:solidFill>
+                          <a:schemeClr val="tx2">
+                            <a:lumMod val="50000"/>
+                            <a:lumOff val="50000"/>
+                          </a:schemeClr>
+                        </a:solidFill>
                         <a:latin typeface="Cambria Math" panose="02040503050406030204" pitchFamily="18" charset="0"/>
                       </a:rPr>
                       <m:t>𝐴</m:t>
                     </m:r>
                     <m:r>
                       <a:rPr lang="en-US" altLang="ko-KR" b="0" i="1" baseline="-25000" smtClean="0">
+                        <a:solidFill>
+                          <a:schemeClr val="tx2">
+                            <a:lumMod val="50000"/>
+                            <a:lumOff val="50000"/>
+                          </a:schemeClr>
+                        </a:solidFill>
                         <a:latin typeface="Cambria Math" panose="02040503050406030204" pitchFamily="18" charset="0"/>
                       </a:rPr>
                       <m:t>𝑡</m:t>
                     </m:r>
                     <m:r>
                       <a:rPr lang="en-US" altLang="ko-KR" i="1">
+                        <a:solidFill>
+                          <a:schemeClr val="tx2">
+                            <a:lumMod val="50000"/>
+                            <a:lumOff val="50000"/>
+                          </a:schemeClr>
+                        </a:solidFill>
                         <a:latin typeface="Cambria Math" panose="02040503050406030204" pitchFamily="18" charset="0"/>
                       </a:rPr>
                       <m:t>)</m:t>
@@ -14040,8 +14378,19 @@
                   </m:oMath>
                 </a14:m>
                 <a:r>
+                  <a:rPr lang="en-US" altLang="ko-KR" dirty="0">
+                    <a:solidFill>
+                      <a:schemeClr val="tx2">
+                        <a:lumMod val="50000"/>
+                        <a:lumOff val="50000"/>
+                      </a:schemeClr>
+                    </a:solidFill>
+                  </a:rPr>
+                  <a:t> </a:t>
+                </a:r>
+                <a:r>
                   <a:rPr lang="en-US" altLang="ko-KR" dirty="0"/>
-                  <a:t> can also be estimates as:</a:t>
+                  <a:t>can also be estimates as:</a:t>
                 </a:r>
               </a:p>
               <a:p>
@@ -14158,6 +14507,56 @@
           </a:prstGeom>
         </p:spPr>
       </p:pic>
+      <p:sp>
+        <p:nvSpPr>
+          <p:cNvPr id="6" name="TextBox 5">
+            <a:extLst>
+              <a:ext uri="{FF2B5EF4-FFF2-40B4-BE49-F238E27FC236}">
+                <a16:creationId xmlns:a16="http://schemas.microsoft.com/office/drawing/2014/main" id="{B2BD62CC-C925-C17A-8B10-637EF51CD5FF}"/>
+              </a:ext>
+            </a:extLst>
+          </p:cNvPr>
+          <p:cNvSpPr txBox="1"/>
+          <p:nvPr/>
+        </p:nvSpPr>
+        <p:spPr>
+          <a:xfrm>
+            <a:off x="3510116" y="6311900"/>
+            <a:ext cx="6341807" cy="276999"/>
+          </a:xfrm>
+          <a:prstGeom prst="rect">
+            <a:avLst/>
+          </a:prstGeom>
+          <a:noFill/>
+        </p:spPr>
+        <p:txBody>
+          <a:bodyPr wrap="square" lIns="0" tIns="0" rIns="0" bIns="0" rtlCol="0">
+            <a:spAutoFit/>
+          </a:bodyPr>
+          <a:lstStyle/>
+          <a:p>
+            <a:r>
+              <a:rPr lang="en-US" altLang="ko-KR" dirty="0">
+                <a:solidFill>
+                  <a:schemeClr val="tx2">
+                    <a:lumMod val="50000"/>
+                    <a:lumOff val="50000"/>
+                  </a:schemeClr>
+                </a:solidFill>
+              </a:rPr>
+              <a:t>In TD, n-step MC + Bootstrapped Q function is the target! </a:t>
+            </a:r>
+            <a:endParaRPr lang="ko-KR" altLang="en-US" dirty="0">
+              <a:solidFill>
+                <a:schemeClr val="tx2">
+                  <a:lumMod val="50000"/>
+                  <a:lumOff val="50000"/>
+                </a:schemeClr>
+              </a:solidFill>
+            </a:endParaRPr>
+          </a:p>
+        </p:txBody>
+      </p:sp>
     </p:spTree>
     <p:extLst>
       <p:ext uri="{BB962C8B-B14F-4D97-AF65-F5344CB8AC3E}">
